--- a/65. Sets.pptx
+++ b/65. Sets.pptx
@@ -109,6 +109,11 @@
       </a:defRPr>
     </a:lvl9pPr>
   </p:defaultTextStyle>
+  <p:extLst>
+    <p:ext uri="{EFAFB233-063F-42B5-8137-9DF3F51BA10A}">
+      <p15:sldGuideLst xmlns:p15="http://schemas.microsoft.com/office/powerpoint/2012/main"/>
+    </p:ext>
+  </p:extLst>
 </p:presentation>
 </file>
 
@@ -154,10 +159,9 @@
           </a:lstStyle>
           <a:p>
             <a:r>
-              <a:rPr lang="en-US" smtClean="0"/>
+              <a:rPr lang="en-US"/>
               <a:t>Click to edit Master title style</a:t>
             </a:r>
-            <a:endParaRPr lang="en-US"/>
           </a:p>
         </p:txBody>
       </p:sp>
@@ -219,10 +223,9 @@
           </a:lstStyle>
           <a:p>
             <a:r>
-              <a:rPr lang="en-US" smtClean="0"/>
+              <a:rPr lang="en-US"/>
               <a:t>Click to edit Master subtitle style</a:t>
             </a:r>
-            <a:endParaRPr lang="en-US"/>
           </a:p>
         </p:txBody>
       </p:sp>
@@ -243,7 +246,7 @@
           <a:p>
             <a:fld id="{4AE053F9-439F-4A42-AD82-37B9E0596949}" type="datetimeFigureOut">
               <a:rPr lang="en-US" smtClean="0"/>
-              <a:t>1/19/2019</a:t>
+              <a:t>1/26/2019</a:t>
             </a:fld>
             <a:endParaRPr lang="en-US"/>
           </a:p>
@@ -337,10 +340,9 @@
           <a:lstStyle/>
           <a:p>
             <a:r>
-              <a:rPr lang="en-US" smtClean="0"/>
+              <a:rPr lang="en-US"/>
               <a:t>Click to edit Master title style</a:t>
             </a:r>
-            <a:endParaRPr lang="en-US"/>
           </a:p>
         </p:txBody>
       </p:sp>
@@ -361,38 +363,37 @@
           <a:p>
             <a:pPr lvl="0"/>
             <a:r>
-              <a:rPr lang="en-US" smtClean="0"/>
+              <a:rPr lang="en-US"/>
               <a:t>Edit Master text styles</a:t>
             </a:r>
           </a:p>
           <a:p>
             <a:pPr lvl="1"/>
             <a:r>
-              <a:rPr lang="en-US" smtClean="0"/>
+              <a:rPr lang="en-US"/>
               <a:t>Second level</a:t>
             </a:r>
           </a:p>
           <a:p>
             <a:pPr lvl="2"/>
             <a:r>
-              <a:rPr lang="en-US" smtClean="0"/>
+              <a:rPr lang="en-US"/>
               <a:t>Third level</a:t>
             </a:r>
           </a:p>
           <a:p>
             <a:pPr lvl="3"/>
             <a:r>
-              <a:rPr lang="en-US" smtClean="0"/>
+              <a:rPr lang="en-US"/>
               <a:t>Fourth level</a:t>
             </a:r>
           </a:p>
           <a:p>
             <a:pPr lvl="4"/>
             <a:r>
-              <a:rPr lang="en-US" smtClean="0"/>
+              <a:rPr lang="en-US"/>
               <a:t>Fifth level</a:t>
             </a:r>
-            <a:endParaRPr lang="en-US"/>
           </a:p>
         </p:txBody>
       </p:sp>
@@ -413,7 +414,7 @@
           <a:p>
             <a:fld id="{4AE053F9-439F-4A42-AD82-37B9E0596949}" type="datetimeFigureOut">
               <a:rPr lang="en-US" smtClean="0"/>
-              <a:t>1/19/2019</a:t>
+              <a:t>1/26/2019</a:t>
             </a:fld>
             <a:endParaRPr lang="en-US"/>
           </a:p>
@@ -512,10 +513,9 @@
           <a:lstStyle/>
           <a:p>
             <a:r>
-              <a:rPr lang="en-US" smtClean="0"/>
+              <a:rPr lang="en-US"/>
               <a:t>Click to edit Master title style</a:t>
             </a:r>
-            <a:endParaRPr lang="en-US"/>
           </a:p>
         </p:txBody>
       </p:sp>
@@ -541,38 +541,37 @@
           <a:p>
             <a:pPr lvl="0"/>
             <a:r>
-              <a:rPr lang="en-US" smtClean="0"/>
+              <a:rPr lang="en-US"/>
               <a:t>Edit Master text styles</a:t>
             </a:r>
           </a:p>
           <a:p>
             <a:pPr lvl="1"/>
             <a:r>
-              <a:rPr lang="en-US" smtClean="0"/>
+              <a:rPr lang="en-US"/>
               <a:t>Second level</a:t>
             </a:r>
           </a:p>
           <a:p>
             <a:pPr lvl="2"/>
             <a:r>
-              <a:rPr lang="en-US" smtClean="0"/>
+              <a:rPr lang="en-US"/>
               <a:t>Third level</a:t>
             </a:r>
           </a:p>
           <a:p>
             <a:pPr lvl="3"/>
             <a:r>
-              <a:rPr lang="en-US" smtClean="0"/>
+              <a:rPr lang="en-US"/>
               <a:t>Fourth level</a:t>
             </a:r>
           </a:p>
           <a:p>
             <a:pPr lvl="4"/>
             <a:r>
-              <a:rPr lang="en-US" smtClean="0"/>
+              <a:rPr lang="en-US"/>
               <a:t>Fifth level</a:t>
             </a:r>
-            <a:endParaRPr lang="en-US"/>
           </a:p>
         </p:txBody>
       </p:sp>
@@ -593,7 +592,7 @@
           <a:p>
             <a:fld id="{4AE053F9-439F-4A42-AD82-37B9E0596949}" type="datetimeFigureOut">
               <a:rPr lang="en-US" smtClean="0"/>
-              <a:t>1/19/2019</a:t>
+              <a:t>1/26/2019</a:t>
             </a:fld>
             <a:endParaRPr lang="en-US"/>
           </a:p>
@@ -687,10 +686,9 @@
           <a:lstStyle/>
           <a:p>
             <a:r>
-              <a:rPr lang="en-US" smtClean="0"/>
+              <a:rPr lang="en-US"/>
               <a:t>Click to edit Master title style</a:t>
             </a:r>
-            <a:endParaRPr lang="en-US"/>
           </a:p>
         </p:txBody>
       </p:sp>
@@ -711,38 +709,37 @@
           <a:p>
             <a:pPr lvl="0"/>
             <a:r>
-              <a:rPr lang="en-US" smtClean="0"/>
+              <a:rPr lang="en-US"/>
               <a:t>Edit Master text styles</a:t>
             </a:r>
           </a:p>
           <a:p>
             <a:pPr lvl="1"/>
             <a:r>
-              <a:rPr lang="en-US" smtClean="0"/>
+              <a:rPr lang="en-US"/>
               <a:t>Second level</a:t>
             </a:r>
           </a:p>
           <a:p>
             <a:pPr lvl="2"/>
             <a:r>
-              <a:rPr lang="en-US" smtClean="0"/>
+              <a:rPr lang="en-US"/>
               <a:t>Third level</a:t>
             </a:r>
           </a:p>
           <a:p>
             <a:pPr lvl="3"/>
             <a:r>
-              <a:rPr lang="en-US" smtClean="0"/>
+              <a:rPr lang="en-US"/>
               <a:t>Fourth level</a:t>
             </a:r>
           </a:p>
           <a:p>
             <a:pPr lvl="4"/>
             <a:r>
-              <a:rPr lang="en-US" smtClean="0"/>
+              <a:rPr lang="en-US"/>
               <a:t>Fifth level</a:t>
             </a:r>
-            <a:endParaRPr lang="en-US"/>
           </a:p>
         </p:txBody>
       </p:sp>
@@ -763,7 +760,7 @@
           <a:p>
             <a:fld id="{4AE053F9-439F-4A42-AD82-37B9E0596949}" type="datetimeFigureOut">
               <a:rPr lang="en-US" smtClean="0"/>
-              <a:t>1/19/2019</a:t>
+              <a:t>1/26/2019</a:t>
             </a:fld>
             <a:endParaRPr lang="en-US"/>
           </a:p>
@@ -866,10 +863,9 @@
           </a:lstStyle>
           <a:p>
             <a:r>
-              <a:rPr lang="en-US" smtClean="0"/>
+              <a:rPr lang="en-US"/>
               <a:t>Click to edit Master title style</a:t>
             </a:r>
-            <a:endParaRPr lang="en-US"/>
           </a:p>
         </p:txBody>
       </p:sp>
@@ -986,7 +982,7 @@
           <a:p>
             <a:pPr lvl="0"/>
             <a:r>
-              <a:rPr lang="en-US" smtClean="0"/>
+              <a:rPr lang="en-US"/>
               <a:t>Edit Master text styles</a:t>
             </a:r>
           </a:p>
@@ -1009,7 +1005,7 @@
           <a:p>
             <a:fld id="{4AE053F9-439F-4A42-AD82-37B9E0596949}" type="datetimeFigureOut">
               <a:rPr lang="en-US" smtClean="0"/>
-              <a:t>1/19/2019</a:t>
+              <a:t>1/26/2019</a:t>
             </a:fld>
             <a:endParaRPr lang="en-US"/>
           </a:p>
@@ -1103,10 +1099,9 @@
           <a:lstStyle/>
           <a:p>
             <a:r>
-              <a:rPr lang="en-US" smtClean="0"/>
+              <a:rPr lang="en-US"/>
               <a:t>Click to edit Master title style</a:t>
             </a:r>
-            <a:endParaRPr lang="en-US"/>
           </a:p>
         </p:txBody>
       </p:sp>
@@ -1132,38 +1127,37 @@
           <a:p>
             <a:pPr lvl="0"/>
             <a:r>
-              <a:rPr lang="en-US" smtClean="0"/>
+              <a:rPr lang="en-US"/>
               <a:t>Edit Master text styles</a:t>
             </a:r>
           </a:p>
           <a:p>
             <a:pPr lvl="1"/>
             <a:r>
-              <a:rPr lang="en-US" smtClean="0"/>
+              <a:rPr lang="en-US"/>
               <a:t>Second level</a:t>
             </a:r>
           </a:p>
           <a:p>
             <a:pPr lvl="2"/>
             <a:r>
-              <a:rPr lang="en-US" smtClean="0"/>
+              <a:rPr lang="en-US"/>
               <a:t>Third level</a:t>
             </a:r>
           </a:p>
           <a:p>
             <a:pPr lvl="3"/>
             <a:r>
-              <a:rPr lang="en-US" smtClean="0"/>
+              <a:rPr lang="en-US"/>
               <a:t>Fourth level</a:t>
             </a:r>
           </a:p>
           <a:p>
             <a:pPr lvl="4"/>
             <a:r>
-              <a:rPr lang="en-US" smtClean="0"/>
+              <a:rPr lang="en-US"/>
               <a:t>Fifth level</a:t>
             </a:r>
-            <a:endParaRPr lang="en-US"/>
           </a:p>
         </p:txBody>
       </p:sp>
@@ -1189,38 +1183,37 @@
           <a:p>
             <a:pPr lvl="0"/>
             <a:r>
-              <a:rPr lang="en-US" smtClean="0"/>
+              <a:rPr lang="en-US"/>
               <a:t>Edit Master text styles</a:t>
             </a:r>
           </a:p>
           <a:p>
             <a:pPr lvl="1"/>
             <a:r>
-              <a:rPr lang="en-US" smtClean="0"/>
+              <a:rPr lang="en-US"/>
               <a:t>Second level</a:t>
             </a:r>
           </a:p>
           <a:p>
             <a:pPr lvl="2"/>
             <a:r>
-              <a:rPr lang="en-US" smtClean="0"/>
+              <a:rPr lang="en-US"/>
               <a:t>Third level</a:t>
             </a:r>
           </a:p>
           <a:p>
             <a:pPr lvl="3"/>
             <a:r>
-              <a:rPr lang="en-US" smtClean="0"/>
+              <a:rPr lang="en-US"/>
               <a:t>Fourth level</a:t>
             </a:r>
           </a:p>
           <a:p>
             <a:pPr lvl="4"/>
             <a:r>
-              <a:rPr lang="en-US" smtClean="0"/>
+              <a:rPr lang="en-US"/>
               <a:t>Fifth level</a:t>
             </a:r>
-            <a:endParaRPr lang="en-US"/>
           </a:p>
         </p:txBody>
       </p:sp>
@@ -1241,7 +1234,7 @@
           <a:p>
             <a:fld id="{4AE053F9-439F-4A42-AD82-37B9E0596949}" type="datetimeFigureOut">
               <a:rPr lang="en-US" smtClean="0"/>
-              <a:t>1/19/2019</a:t>
+              <a:t>1/26/2019</a:t>
             </a:fld>
             <a:endParaRPr lang="en-US"/>
           </a:p>
@@ -1340,10 +1333,9 @@
           <a:lstStyle/>
           <a:p>
             <a:r>
-              <a:rPr lang="en-US" smtClean="0"/>
+              <a:rPr lang="en-US"/>
               <a:t>Click to edit Master title style</a:t>
             </a:r>
-            <a:endParaRPr lang="en-US"/>
           </a:p>
         </p:txBody>
       </p:sp>
@@ -1406,7 +1398,7 @@
           <a:p>
             <a:pPr lvl="0"/>
             <a:r>
-              <a:rPr lang="en-US" smtClean="0"/>
+              <a:rPr lang="en-US"/>
               <a:t>Edit Master text styles</a:t>
             </a:r>
           </a:p>
@@ -1434,38 +1426,37 @@
           <a:p>
             <a:pPr lvl="0"/>
             <a:r>
-              <a:rPr lang="en-US" smtClean="0"/>
+              <a:rPr lang="en-US"/>
               <a:t>Edit Master text styles</a:t>
             </a:r>
           </a:p>
           <a:p>
             <a:pPr lvl="1"/>
             <a:r>
-              <a:rPr lang="en-US" smtClean="0"/>
+              <a:rPr lang="en-US"/>
               <a:t>Second level</a:t>
             </a:r>
           </a:p>
           <a:p>
             <a:pPr lvl="2"/>
             <a:r>
-              <a:rPr lang="en-US" smtClean="0"/>
+              <a:rPr lang="en-US"/>
               <a:t>Third level</a:t>
             </a:r>
           </a:p>
           <a:p>
             <a:pPr lvl="3"/>
             <a:r>
-              <a:rPr lang="en-US" smtClean="0"/>
+              <a:rPr lang="en-US"/>
               <a:t>Fourth level</a:t>
             </a:r>
           </a:p>
           <a:p>
             <a:pPr lvl="4"/>
             <a:r>
-              <a:rPr lang="en-US" smtClean="0"/>
+              <a:rPr lang="en-US"/>
               <a:t>Fifth level</a:t>
             </a:r>
-            <a:endParaRPr lang="en-US"/>
           </a:p>
         </p:txBody>
       </p:sp>
@@ -1528,7 +1519,7 @@
           <a:p>
             <a:pPr lvl="0"/>
             <a:r>
-              <a:rPr lang="en-US" smtClean="0"/>
+              <a:rPr lang="en-US"/>
               <a:t>Edit Master text styles</a:t>
             </a:r>
           </a:p>
@@ -1556,38 +1547,37 @@
           <a:p>
             <a:pPr lvl="0"/>
             <a:r>
-              <a:rPr lang="en-US" smtClean="0"/>
+              <a:rPr lang="en-US"/>
               <a:t>Edit Master text styles</a:t>
             </a:r>
           </a:p>
           <a:p>
             <a:pPr lvl="1"/>
             <a:r>
-              <a:rPr lang="en-US" smtClean="0"/>
+              <a:rPr lang="en-US"/>
               <a:t>Second level</a:t>
             </a:r>
           </a:p>
           <a:p>
             <a:pPr lvl="2"/>
             <a:r>
-              <a:rPr lang="en-US" smtClean="0"/>
+              <a:rPr lang="en-US"/>
               <a:t>Third level</a:t>
             </a:r>
           </a:p>
           <a:p>
             <a:pPr lvl="3"/>
             <a:r>
-              <a:rPr lang="en-US" smtClean="0"/>
+              <a:rPr lang="en-US"/>
               <a:t>Fourth level</a:t>
             </a:r>
           </a:p>
           <a:p>
             <a:pPr lvl="4"/>
             <a:r>
-              <a:rPr lang="en-US" smtClean="0"/>
+              <a:rPr lang="en-US"/>
               <a:t>Fifth level</a:t>
             </a:r>
-            <a:endParaRPr lang="en-US"/>
           </a:p>
         </p:txBody>
       </p:sp>
@@ -1608,7 +1598,7 @@
           <a:p>
             <a:fld id="{4AE053F9-439F-4A42-AD82-37B9E0596949}" type="datetimeFigureOut">
               <a:rPr lang="en-US" smtClean="0"/>
-              <a:t>1/19/2019</a:t>
+              <a:t>1/26/2019</a:t>
             </a:fld>
             <a:endParaRPr lang="en-US"/>
           </a:p>
@@ -1702,10 +1692,9 @@
           <a:lstStyle/>
           <a:p>
             <a:r>
-              <a:rPr lang="en-US" smtClean="0"/>
+              <a:rPr lang="en-US"/>
               <a:t>Click to edit Master title style</a:t>
             </a:r>
-            <a:endParaRPr lang="en-US"/>
           </a:p>
         </p:txBody>
       </p:sp>
@@ -1726,7 +1715,7 @@
           <a:p>
             <a:fld id="{4AE053F9-439F-4A42-AD82-37B9E0596949}" type="datetimeFigureOut">
               <a:rPr lang="en-US" smtClean="0"/>
-              <a:t>1/19/2019</a:t>
+              <a:t>1/26/2019</a:t>
             </a:fld>
             <a:endParaRPr lang="en-US"/>
           </a:p>
@@ -1821,7 +1810,7 @@
           <a:p>
             <a:fld id="{4AE053F9-439F-4A42-AD82-37B9E0596949}" type="datetimeFigureOut">
               <a:rPr lang="en-US" smtClean="0"/>
-              <a:t>1/19/2019</a:t>
+              <a:t>1/26/2019</a:t>
             </a:fld>
             <a:endParaRPr lang="en-US"/>
           </a:p>
@@ -1924,10 +1913,9 @@
           </a:lstStyle>
           <a:p>
             <a:r>
-              <a:rPr lang="en-US" smtClean="0"/>
+              <a:rPr lang="en-US"/>
               <a:t>Click to edit Master title style</a:t>
             </a:r>
-            <a:endParaRPr lang="en-US"/>
           </a:p>
         </p:txBody>
       </p:sp>
@@ -1981,38 +1969,37 @@
           <a:p>
             <a:pPr lvl="0"/>
             <a:r>
-              <a:rPr lang="en-US" smtClean="0"/>
+              <a:rPr lang="en-US"/>
               <a:t>Edit Master text styles</a:t>
             </a:r>
           </a:p>
           <a:p>
             <a:pPr lvl="1"/>
             <a:r>
-              <a:rPr lang="en-US" smtClean="0"/>
+              <a:rPr lang="en-US"/>
               <a:t>Second level</a:t>
             </a:r>
           </a:p>
           <a:p>
             <a:pPr lvl="2"/>
             <a:r>
-              <a:rPr lang="en-US" smtClean="0"/>
+              <a:rPr lang="en-US"/>
               <a:t>Third level</a:t>
             </a:r>
           </a:p>
           <a:p>
             <a:pPr lvl="3"/>
             <a:r>
-              <a:rPr lang="en-US" smtClean="0"/>
+              <a:rPr lang="en-US"/>
               <a:t>Fourth level</a:t>
             </a:r>
           </a:p>
           <a:p>
             <a:pPr lvl="4"/>
             <a:r>
-              <a:rPr lang="en-US" smtClean="0"/>
+              <a:rPr lang="en-US"/>
               <a:t>Fifth level</a:t>
             </a:r>
-            <a:endParaRPr lang="en-US"/>
           </a:p>
         </p:txBody>
       </p:sp>
@@ -2075,7 +2062,7 @@
           <a:p>
             <a:pPr lvl="0"/>
             <a:r>
-              <a:rPr lang="en-US" smtClean="0"/>
+              <a:rPr lang="en-US"/>
               <a:t>Edit Master text styles</a:t>
             </a:r>
           </a:p>
@@ -2098,7 +2085,7 @@
           <a:p>
             <a:fld id="{4AE053F9-439F-4A42-AD82-37B9E0596949}" type="datetimeFigureOut">
               <a:rPr lang="en-US" smtClean="0"/>
-              <a:t>1/19/2019</a:t>
+              <a:t>1/26/2019</a:t>
             </a:fld>
             <a:endParaRPr lang="en-US"/>
           </a:p>
@@ -2201,10 +2188,9 @@
           </a:lstStyle>
           <a:p>
             <a:r>
-              <a:rPr lang="en-US" smtClean="0"/>
+              <a:rPr lang="en-US"/>
               <a:t>Click to edit Master title style</a:t>
             </a:r>
-            <a:endParaRPr lang="en-US"/>
           </a:p>
         </p:txBody>
       </p:sp>
@@ -2328,7 +2314,7 @@
           <a:p>
             <a:pPr lvl="0"/>
             <a:r>
-              <a:rPr lang="en-US" smtClean="0"/>
+              <a:rPr lang="en-US"/>
               <a:t>Edit Master text styles</a:t>
             </a:r>
           </a:p>
@@ -2351,7 +2337,7 @@
           <a:p>
             <a:fld id="{4AE053F9-439F-4A42-AD82-37B9E0596949}" type="datetimeFigureOut">
               <a:rPr lang="en-US" smtClean="0"/>
-              <a:t>1/19/2019</a:t>
+              <a:t>1/26/2019</a:t>
             </a:fld>
             <a:endParaRPr lang="en-US"/>
           </a:p>
@@ -2460,10 +2446,9 @@
           <a:lstStyle/>
           <a:p>
             <a:r>
-              <a:rPr lang="en-US" smtClean="0"/>
+              <a:rPr lang="en-US"/>
               <a:t>Click to edit Master title style</a:t>
             </a:r>
-            <a:endParaRPr lang="en-US"/>
           </a:p>
         </p:txBody>
       </p:sp>
@@ -2494,38 +2479,37 @@
           <a:p>
             <a:pPr lvl="0"/>
             <a:r>
-              <a:rPr lang="en-US" smtClean="0"/>
+              <a:rPr lang="en-US"/>
               <a:t>Edit Master text styles</a:t>
             </a:r>
           </a:p>
           <a:p>
             <a:pPr lvl="1"/>
             <a:r>
-              <a:rPr lang="en-US" smtClean="0"/>
+              <a:rPr lang="en-US"/>
               <a:t>Second level</a:t>
             </a:r>
           </a:p>
           <a:p>
             <a:pPr lvl="2"/>
             <a:r>
-              <a:rPr lang="en-US" smtClean="0"/>
+              <a:rPr lang="en-US"/>
               <a:t>Third level</a:t>
             </a:r>
           </a:p>
           <a:p>
             <a:pPr lvl="3"/>
             <a:r>
-              <a:rPr lang="en-US" smtClean="0"/>
+              <a:rPr lang="en-US"/>
               <a:t>Fourth level</a:t>
             </a:r>
           </a:p>
           <a:p>
             <a:pPr lvl="4"/>
             <a:r>
-              <a:rPr lang="en-US" smtClean="0"/>
+              <a:rPr lang="en-US"/>
               <a:t>Fifth level</a:t>
             </a:r>
-            <a:endParaRPr lang="en-US"/>
           </a:p>
         </p:txBody>
       </p:sp>
@@ -2564,7 +2548,7 @@
           <a:p>
             <a:fld id="{4AE053F9-439F-4A42-AD82-37B9E0596949}" type="datetimeFigureOut">
               <a:rPr lang="en-US" smtClean="0"/>
-              <a:t>1/19/2019</a:t>
+              <a:t>1/26/2019</a:t>
             </a:fld>
             <a:endParaRPr lang="en-US"/>
           </a:p>
@@ -3069,7 +3053,7 @@
               <a:defRPr/>
             </a:pPr>
             <a:r>
-              <a:rPr lang="en-US" sz="4800" dirty="0" smtClean="0">
+              <a:rPr lang="en-US" sz="4800" dirty="0">
                 <a:solidFill>
                   <a:prstClr val="white"/>
                 </a:solidFill>
@@ -3393,6 +3377,170 @@
           </a:prstGeom>
         </p:spPr>
       </p:pic>
+      <p:sp>
+        <p:nvSpPr>
+          <p:cNvPr id="4" name="TextBox 3">
+            <a:extLst>
+              <a:ext uri="{FF2B5EF4-FFF2-40B4-BE49-F238E27FC236}">
+                <a16:creationId xmlns:a16="http://schemas.microsoft.com/office/drawing/2014/main" id="{24530C35-C7F6-41EC-98BE-EEC5AF7532DA}"/>
+              </a:ext>
+            </a:extLst>
+          </p:cNvPr>
+          <p:cNvSpPr txBox="1"/>
+          <p:nvPr/>
+        </p:nvSpPr>
+        <p:spPr>
+          <a:xfrm>
+            <a:off x="5499652" y="2099747"/>
+            <a:ext cx="724878" cy="369332"/>
+          </a:xfrm>
+          <a:prstGeom prst="rect">
+            <a:avLst/>
+          </a:prstGeom>
+          <a:noFill/>
+        </p:spPr>
+        <p:txBody>
+          <a:bodyPr wrap="none" rtlCol="0">
+            <a:spAutoFit/>
+          </a:bodyPr>
+          <a:lstStyle/>
+          <a:p>
+            <a:r>
+              <a:rPr lang="en-US" dirty="0">
+                <a:solidFill>
+                  <a:schemeClr val="bg1">
+                    <a:lumMod val="85000"/>
+                  </a:schemeClr>
+                </a:solidFill>
+              </a:rPr>
+              <a:t>union</a:t>
+            </a:r>
+          </a:p>
+        </p:txBody>
+      </p:sp>
+      <p:sp>
+        <p:nvSpPr>
+          <p:cNvPr id="7" name="TextBox 6">
+            <a:extLst>
+              <a:ext uri="{FF2B5EF4-FFF2-40B4-BE49-F238E27FC236}">
+                <a16:creationId xmlns:a16="http://schemas.microsoft.com/office/drawing/2014/main" id="{11152109-2735-4AA3-86BC-644C0F0FDC2B}"/>
+              </a:ext>
+            </a:extLst>
+          </p:cNvPr>
+          <p:cNvSpPr txBox="1"/>
+          <p:nvPr/>
+        </p:nvSpPr>
+        <p:spPr>
+          <a:xfrm>
+            <a:off x="5499652" y="2554565"/>
+            <a:ext cx="1299779" cy="369332"/>
+          </a:xfrm>
+          <a:prstGeom prst="rect">
+            <a:avLst/>
+          </a:prstGeom>
+          <a:noFill/>
+        </p:spPr>
+        <p:txBody>
+          <a:bodyPr wrap="none" rtlCol="0">
+            <a:spAutoFit/>
+          </a:bodyPr>
+          <a:lstStyle/>
+          <a:p>
+            <a:r>
+              <a:rPr lang="en-US" dirty="0">
+                <a:solidFill>
+                  <a:schemeClr val="bg1">
+                    <a:lumMod val="85000"/>
+                  </a:schemeClr>
+                </a:solidFill>
+              </a:rPr>
+              <a:t>intersection</a:t>
+            </a:r>
+          </a:p>
+        </p:txBody>
+      </p:sp>
+      <p:sp>
+        <p:nvSpPr>
+          <p:cNvPr id="8" name="TextBox 7">
+            <a:extLst>
+              <a:ext uri="{FF2B5EF4-FFF2-40B4-BE49-F238E27FC236}">
+                <a16:creationId xmlns:a16="http://schemas.microsoft.com/office/drawing/2014/main" id="{078B155B-0146-4AF4-9D9F-A6CB88C57FF8}"/>
+              </a:ext>
+            </a:extLst>
+          </p:cNvPr>
+          <p:cNvSpPr txBox="1"/>
+          <p:nvPr/>
+        </p:nvSpPr>
+        <p:spPr>
+          <a:xfrm>
+            <a:off x="5499652" y="3058834"/>
+            <a:ext cx="1135439" cy="369332"/>
+          </a:xfrm>
+          <a:prstGeom prst="rect">
+            <a:avLst/>
+          </a:prstGeom>
+          <a:noFill/>
+        </p:spPr>
+        <p:txBody>
+          <a:bodyPr wrap="none" rtlCol="0">
+            <a:spAutoFit/>
+          </a:bodyPr>
+          <a:lstStyle/>
+          <a:p>
+            <a:r>
+              <a:rPr lang="en-US" dirty="0">
+                <a:solidFill>
+                  <a:schemeClr val="bg1">
+                    <a:lumMod val="85000"/>
+                  </a:schemeClr>
+                </a:solidFill>
+              </a:rPr>
+              <a:t>difference</a:t>
+            </a:r>
+          </a:p>
+        </p:txBody>
+      </p:sp>
+      <p:sp>
+        <p:nvSpPr>
+          <p:cNvPr id="9" name="TextBox 8">
+            <a:extLst>
+              <a:ext uri="{FF2B5EF4-FFF2-40B4-BE49-F238E27FC236}">
+                <a16:creationId xmlns:a16="http://schemas.microsoft.com/office/drawing/2014/main" id="{6C1FA85F-1DCD-41E5-B811-FC89AF3C1335}"/>
+              </a:ext>
+            </a:extLst>
+          </p:cNvPr>
+          <p:cNvSpPr txBox="1"/>
+          <p:nvPr/>
+        </p:nvSpPr>
+        <p:spPr>
+          <a:xfrm>
+            <a:off x="5528280" y="3513652"/>
+            <a:ext cx="2035814" cy="369332"/>
+          </a:xfrm>
+          <a:prstGeom prst="rect">
+            <a:avLst/>
+          </a:prstGeom>
+          <a:noFill/>
+        </p:spPr>
+        <p:txBody>
+          <a:bodyPr wrap="none" rtlCol="0">
+            <a:spAutoFit/>
+          </a:bodyPr>
+          <a:lstStyle/>
+          <a:p>
+            <a:r>
+              <a:rPr lang="en-US" dirty="0">
+                <a:solidFill>
+                  <a:schemeClr val="bg1">
+                    <a:lumMod val="85000"/>
+                  </a:schemeClr>
+                </a:solidFill>
+              </a:rPr>
+              <a:t>Semantic difference</a:t>
+            </a:r>
+          </a:p>
+        </p:txBody>
+      </p:sp>
     </p:spTree>
     <p:extLst>
       <p:ext uri="{BB962C8B-B14F-4D97-AF65-F5344CB8AC3E}">
